--- a/public/templates/certificado/frente.pptx
+++ b/public/templates/certificado/frente.pptx
@@ -3911,7 +3911,7 @@
               <a:t> totalizando uma carga horária de </a:t>
             </a:r>
             <a:r>
-              <a:rPr lang="pt-BR" sz="1000" b="1" u="none" strike="noStrike" dirty="0" err="1">
+              <a:rPr lang="pt-BR" sz="1000" u="none" strike="noStrike" dirty="0" err="1">
                 <a:solidFill>
                   <a:srgbClr val="000000"/>
                 </a:solidFill>
